--- a/중간점검 보고서/4조_최종발표PPT(수정본).pptx
+++ b/중간점검 보고서/4조_최종발표PPT(수정본).pptx
@@ -1,8 +1,8 @@
 
 <file path=ppt/presentation.xml><?xml version="1.0" encoding="utf-8"?>
-<p:presentation xmlns:a="http://schemas.openxmlformats.org/drawingml/2006/main" xmlns:r="http://schemas.openxmlformats.org/officeDocument/2006/relationships" xmlns:p="http://schemas.openxmlformats.org/presentationml/2006/main" autoCompressPictures="0">
+<p:presentation xmlns:r="http://schemas.openxmlformats.org/officeDocument/2006/relationships" xmlns:c="http://schemas.openxmlformats.org/drawingml/2006/chart" xmlns:a="http://schemas.openxmlformats.org/drawingml/2006/main" xmlns:dgm="http://schemas.openxmlformats.org/drawingml/2006/diagram" xmlns:dsp="http://schemas.microsoft.com/office/drawing/2008/diagram" xmlns:p="http://schemas.openxmlformats.org/presentationml/2006/main" autoCompressPictures="0">
   <p:sldMasterIdLst>
-    <p:sldMasterId id="2147483746" r:id="rId1"/>
+    <p:sldMasterId id="2147483711" r:id="rId1"/>
   </p:sldMasterIdLst>
   <p:sldIdLst>
     <p:sldId id="256" r:id="rId2"/>
@@ -11,6 +11,7 @@
     <p:sldId id="259" r:id="rId5"/>
     <p:sldId id="260" r:id="rId6"/>
     <p:sldId id="261" r:id="rId7"/>
+    <p:sldId id="262" r:id="rId8"/>
   </p:sldIdLst>
   <p:sldSz cx="12192000" cy="6858000"/>
   <p:notesSz cx="6858000" cy="9144000"/>
@@ -113,7 +114,7 @@
 </file>
 
 <file path=ppt/commentAuthors.xml><?xml version="1.0" encoding="utf-8"?>
-<p:cmAuthorLst xmlns:a="http://schemas.openxmlformats.org/drawingml/2006/main" xmlns:r="http://schemas.openxmlformats.org/officeDocument/2006/relationships" xmlns:p="http://schemas.openxmlformats.org/presentationml/2006/main">
+<p:cmAuthorLst xmlns:r="http://schemas.openxmlformats.org/officeDocument/2006/relationships" xmlns:c="http://schemas.openxmlformats.org/drawingml/2006/chart" xmlns:a="http://schemas.openxmlformats.org/drawingml/2006/main" xmlns:dgm="http://schemas.openxmlformats.org/drawingml/2006/diagram" xmlns:dsp="http://schemas.microsoft.com/office/drawing/2008/diagram" xmlns:p="http://schemas.openxmlformats.org/presentationml/2006/main">
   <p:cmAuthor id="1" name="cp517" initials="c" lastIdx="1" clrIdx="0"/>
 </p:cmAuthorLst>
 </file>
@@ -4071,7 +4072,7 @@
 </file>
 
 <file path=ppt/slides/slide2.xml><?xml version="1.0" encoding="utf-8"?>
-<p:sld xmlns:a="http://schemas.openxmlformats.org/drawingml/2006/main" xmlns:r="http://schemas.openxmlformats.org/officeDocument/2006/relationships" xmlns:p="http://schemas.openxmlformats.org/presentationml/2006/main">
+<p:sld xmlns:r="http://schemas.openxmlformats.org/officeDocument/2006/relationships" xmlns:c="http://schemas.openxmlformats.org/drawingml/2006/chart" xmlns:a="http://schemas.openxmlformats.org/drawingml/2006/main" xmlns:dgm="http://schemas.openxmlformats.org/drawingml/2006/diagram" xmlns:dsp="http://schemas.microsoft.com/office/drawing/2008/diagram" xmlns:p="http://schemas.openxmlformats.org/presentationml/2006/main">
   <p:cSld>
     <p:spTree>
       <p:nvGrpSpPr>
@@ -4094,7 +4095,7 @@
             <a:spLocks noGrp="1"/>
           </p:cNvSpPr>
           <p:nvPr>
-            <p:ph type="title"/>
+            <p:ph type="title" idx="0"/>
           </p:nvPr>
         </p:nvSpPr>
         <p:spPr/>
@@ -4109,6 +4110,7 @@
               <a:rPr lang="ko-KR" altLang="en-US"/>
               <a:t>과제 목표</a:t>
             </a:r>
+            <a:endParaRPr lang="ko-KR" altLang="en-US"/>
           </a:p>
         </p:txBody>
       </p:sp>
@@ -4142,6 +4144,7 @@
               <a:rPr lang="ko-KR" altLang="en-US" sz="2200"/>
               <a:t>출결 확인에 소요되는 시간을 단축시키는 시스템</a:t>
             </a:r>
+            <a:endParaRPr lang="ko-KR" altLang="en-US" sz="2200"/>
           </a:p>
           <a:p>
             <a:pPr marL="370000" indent="-370000">
@@ -4159,6 +4162,7 @@
               <a:rPr lang="ko-KR" altLang="en-US" sz="2200"/>
               <a:t>태그와 같은 별다른 자원 소모가 없는 시스템</a:t>
             </a:r>
+            <a:endParaRPr lang="ko-KR" altLang="en-US" sz="2200"/>
           </a:p>
           <a:p>
             <a:pPr marL="370000" indent="-370000">
@@ -4176,6 +4180,7 @@
               <a:rPr lang="ko-KR" altLang="en-US" sz="2200"/>
               <a:t>수강자의 단말기가 없는 경우에도 출결을 확인할 수 있는 시스템</a:t>
             </a:r>
+            <a:endParaRPr lang="ko-KR" altLang="en-US" sz="2200"/>
           </a:p>
           <a:p>
             <a:pPr marL="370000" indent="-370000">
@@ -4193,6 +4198,7 @@
               <a:rPr lang="ko-KR" altLang="en-US" sz="2200"/>
               <a:t>대리출석 문제를 해결할 수 있는 시스템</a:t>
             </a:r>
+            <a:endParaRPr lang="ko-KR" altLang="en-US" sz="2200"/>
           </a:p>
           <a:p>
             <a:pPr marL="370000" indent="-370000">
@@ -4267,7 +4273,7 @@
         </p:nvSpPr>
         <p:spPr>
           <a:xfrm>
-            <a:off x="1607704" y="5430213"/>
+            <a:off x="1607704" y="5555289"/>
             <a:ext cx="8976591" cy="538788"/>
           </a:xfrm>
           <a:prstGeom prst="roundRect">
@@ -4301,6 +4307,7 @@
               <a:rPr lang="ko-KR" altLang="en-US" sz="2600"/>
               <a:t>딥러닝을 활용한 안면인식 출결 시스템</a:t>
             </a:r>
+            <a:endParaRPr lang="ko-KR" altLang="en-US" sz="2600"/>
           </a:p>
         </p:txBody>
       </p:sp>
@@ -4312,7 +4319,7 @@
         </p:nvSpPr>
         <p:spPr>
           <a:xfrm>
-            <a:off x="5889144" y="4939530"/>
+            <a:off x="5889144" y="5131953"/>
             <a:ext cx="413712" cy="355985"/>
           </a:xfrm>
           <a:prstGeom prst="downArrow">
@@ -4355,7 +4362,7 @@
     <a:masterClrMapping/>
   </p:clrMapOvr>
   <mc:AlternateContent xmlns:mc="http://schemas.openxmlformats.org/markup-compatibility/2006">
-    <mc:Choice xmlns:p14="http://schemas.microsoft.com/office/powerpoint/2010/main" xmlns:dsp="http://schemas.microsoft.com/office/drawing/2008/diagram" xmlns:dgm="http://schemas.openxmlformats.org/drawingml/2006/diagram" xmlns:c="http://schemas.openxmlformats.org/drawingml/2006/chart" xmlns="" Requires="p14">
+    <mc:Choice xmlns:p14="http://schemas.microsoft.com/office/powerpoint/2010/main" Requires="p14">
       <p:transition xmlns:mc="http://schemas.openxmlformats.org/markup-compatibility/2006" xmlns:p14="http://schemas.microsoft.com/office/powerpoint/2010/main" mc:Ignorable="p14" p14:dur="500"/>
     </mc:Choice>
     <mc:Fallback>
@@ -4732,7 +4739,7 @@
 </file>
 
 <file path=ppt/slides/slide3.xml><?xml version="1.0" encoding="utf-8"?>
-<p:sld xmlns:a="http://schemas.openxmlformats.org/drawingml/2006/main" xmlns:r="http://schemas.openxmlformats.org/officeDocument/2006/relationships" xmlns:p="http://schemas.openxmlformats.org/presentationml/2006/main">
+<p:sld xmlns:r="http://schemas.openxmlformats.org/officeDocument/2006/relationships" xmlns:c="http://schemas.openxmlformats.org/drawingml/2006/chart" xmlns:a="http://schemas.openxmlformats.org/drawingml/2006/main" xmlns:dgm="http://schemas.openxmlformats.org/drawingml/2006/diagram" xmlns:dsp="http://schemas.microsoft.com/office/drawing/2008/diagram" xmlns:p="http://schemas.openxmlformats.org/presentationml/2006/main">
   <p:cSld>
     <p:spTree>
       <p:nvGrpSpPr>
@@ -4755,7 +4762,7 @@
             <a:spLocks noGrp="1"/>
           </p:cNvSpPr>
           <p:nvPr>
-            <p:ph type="title"/>
+            <p:ph type="title" idx="0"/>
           </p:nvPr>
         </p:nvSpPr>
         <p:spPr/>
@@ -4778,6 +4785,7 @@
               <a:rPr lang="ko-KR" altLang="en-US"/>
               <a:t>기술</a:t>
             </a:r>
+            <a:endParaRPr lang="ko-KR" altLang="en-US"/>
           </a:p>
         </p:txBody>
       </p:sp>
@@ -4882,23 +4890,27 @@
               <a:tr h="422462">
                 <a:tc>
                   <a:txBody>
-                    <a:bodyPr/>
-                    <a:lstStyle/>
+                    <a:bodyPr vert="horz" lIns="91440" tIns="45720" rIns="91440" bIns="45720" anchor="t" anchorCtr="0"/>
                     <a:p>
                       <a:pPr algn="ctr">
                         <a:defRPr/>
                       </a:pPr>
                       <a:r>
-                        <a:rPr lang="ko-KR" altLang="en-US" b="0" dirty="0">
+                        <a:rPr lang="ko-KR" altLang="en-US" b="0">
                           <a:solidFill>
                             <a:schemeClr val="lt1"/>
                           </a:solidFill>
                         </a:rPr>
                         <a:t>제목</a:t>
                       </a:r>
+                      <a:endParaRPr lang="ko-KR" altLang="en-US" b="0">
+                        <a:solidFill>
+                          <a:schemeClr val="lt1"/>
+                        </a:solidFill>
+                      </a:endParaRPr>
                     </a:p>
                   </a:txBody>
-                  <a:tcPr>
+                  <a:tcPr marL="91440" marR="91440">
                     <a:lnL w="9525" cap="flat" cmpd="sng" algn="ctr">
                       <a:noFill/>
                       <a:prstDash val="solid"/>
@@ -4930,8 +4942,7 @@
                 </a:tc>
                 <a:tc>
                   <a:txBody>
-                    <a:bodyPr/>
-                    <a:lstStyle/>
+                    <a:bodyPr vert="horz" lIns="91440" tIns="45720" rIns="91440" bIns="45720" anchor="t" anchorCtr="0"/>
                     <a:p>
                       <a:pPr algn="ctr">
                         <a:defRPr/>
@@ -4960,9 +4971,14 @@
                         </a:rPr>
                         <a:t>단점</a:t>
                       </a:r>
+                      <a:endParaRPr lang="ko-KR" altLang="en-US" b="0">
+                        <a:solidFill>
+                          <a:schemeClr val="lt1"/>
+                        </a:solidFill>
+                      </a:endParaRPr>
                     </a:p>
                   </a:txBody>
-                  <a:tcPr>
+                  <a:tcPr marL="91440" marR="91440">
                     <a:lnL w="12700" cap="flat" cmpd="sng" algn="ctr">
                       <a:solidFill>
                         <a:schemeClr val="tx1"/>
@@ -4998,8 +5014,7 @@
               <a:tr h="791436">
                 <a:tc>
                   <a:txBody>
-                    <a:bodyPr/>
-                    <a:lstStyle/>
+                    <a:bodyPr vert="horz" lIns="91440" tIns="45720" rIns="91440" bIns="45720" anchor="t" anchorCtr="0"/>
                     <a:p>
                       <a:pPr lvl="0">
                         <a:defRPr/>
@@ -5020,7 +5035,9 @@
                         </a:rPr>
                         <a:t>(1020120094212)</a:t>
                       </a:r>
-                      <a:endParaRPr lang="en-US" altLang="ko-KR"/>
+                      <a:endParaRPr lang="en-US" altLang="ko-KR" b="0">
+                        <a:latin typeface="맑은 고딕"/>
+                      </a:endParaRPr>
                     </a:p>
                     <a:p>
                       <a:pPr lvl="0">
@@ -5030,9 +5047,10 @@
                         <a:rPr lang="en-US" altLang="ko-KR" sz="1600"/>
                         <a:t>System and Method for managing attendance and absence based location</a:t>
                       </a:r>
+                      <a:endParaRPr lang="en-US" altLang="ko-KR" sz="1600"/>
                     </a:p>
                   </a:txBody>
-                  <a:tcPr>
+                  <a:tcPr marL="91440" marR="91440">
                     <a:lnL w="9525" cap="flat" cmpd="sng" algn="ctr">
                       <a:noFill/>
                       <a:prstDash val="solid"/>
@@ -5063,20 +5081,19 @@
                 </a:tc>
                 <a:tc>
                   <a:txBody>
-                    <a:bodyPr/>
-                    <a:lstStyle/>
+                    <a:bodyPr vert="horz" lIns="91440" tIns="45720" rIns="91440" bIns="45720" anchor="t" anchorCtr="0"/>
                     <a:p>
                       <a:pPr>
                         <a:defRPr/>
                       </a:pPr>
                       <a:endParaRPr lang="ko-KR" altLang="en-US" sz="1600" b="1">
                         <a:solidFill>
-                          <a:srgbClr val="0000FF"/>
+                          <a:srgbClr val="0000ff"/>
                         </a:solidFill>
                       </a:endParaRPr>
                     </a:p>
                   </a:txBody>
-                  <a:tcPr>
+                  <a:tcPr marL="91440" marR="91440">
                     <a:lnL w="12700" cap="flat" cmpd="sng" algn="ctr">
                       <a:solidFill>
                         <a:schemeClr val="tx1"/>
@@ -5111,53 +5128,43 @@
               <a:tr h="791436">
                 <a:tc>
                   <a:txBody>
-                    <a:bodyPr/>
-                    <a:lstStyle/>
+                    <a:bodyPr vert="horz" lIns="91440" tIns="45720" rIns="91440" bIns="45720" anchor="t" anchorCtr="0"/>
                     <a:p>
                       <a:pPr lvl="0">
                         <a:defRPr/>
                       </a:pPr>
                       <a:r>
-                        <a:rPr lang="ko-KR" altLang="en-US" dirty="0">
+                        <a:rPr lang="ko-KR" altLang="en-US">
                           <a:hlinkClick r:id="rId3" action="ppaction://hlinkfile"/>
                         </a:rPr>
                         <a:t>얼굴 인식을 통한 출결 관리 시스템 및 출결 관리 방법</a:t>
                       </a:r>
                       <a:r>
-                        <a:rPr lang="ko-KR" altLang="en-US" dirty="0"/>
+                        <a:rPr lang="ko-KR" altLang="en-US"/>
                         <a:t> </a:t>
                       </a:r>
                       <a:r>
-                        <a:rPr lang="en-US" altLang="ko-KR" dirty="0">
+                        <a:rPr lang="en-US" altLang="ko-KR">
                           <a:latin typeface="맑은 고딕"/>
                         </a:rPr>
                         <a:t>(1020180102511)</a:t>
                       </a:r>
+                      <a:endParaRPr lang="en-US" altLang="ko-KR">
+                        <a:latin typeface="맑은 고딕"/>
+                      </a:endParaRPr>
                     </a:p>
                     <a:p>
                       <a:pPr lvl="0">
                         <a:defRPr/>
                       </a:pPr>
                       <a:r>
-                        <a:rPr lang="en-US" altLang="ko-KR" sz="1600" b="1" dirty="0"/>
-                        <a:t>System And Method For Attendance </a:t>
+                        <a:rPr lang="en-US" altLang="ko-KR" sz="1600" b="1"/>
+                        <a:t>System And Method For Attendance Management Using Face Recognition</a:t>
                       </a:r>
-                      <a:r>
-                        <a:rPr lang="en-US" altLang="ko-KR" sz="1600" b="1" dirty="0" err="1"/>
-                        <a:t>Managment</a:t>
-                      </a:r>
-                      <a:r>
-                        <a:rPr lang="en-US" altLang="ko-KR" sz="1600" b="1" dirty="0"/>
-                        <a:t> Using Face </a:t>
-                      </a:r>
-                      <a:r>
-                        <a:rPr lang="en-US" altLang="ko-KR" sz="1600" b="1" dirty="0" err="1"/>
-                        <a:t>Recognation</a:t>
-                      </a:r>
-                      <a:endParaRPr lang="en-US" altLang="ko-KR" sz="1600" b="1" dirty="0"/>
+                      <a:endParaRPr lang="en-US" altLang="ko-KR" sz="1600" b="1"/>
                     </a:p>
                   </a:txBody>
-                  <a:tcPr>
+                  <a:tcPr marL="91440" marR="91440">
                     <a:lnL w="9525" cap="flat" cmpd="sng" algn="ctr">
                       <a:noFill/>
                       <a:prstDash val="solid"/>
@@ -5188,20 +5195,19 @@
                 </a:tc>
                 <a:tc>
                   <a:txBody>
-                    <a:bodyPr/>
-                    <a:lstStyle/>
+                    <a:bodyPr vert="horz" lIns="91440" tIns="45720" rIns="91440" bIns="45720" anchor="t" anchorCtr="0"/>
                     <a:p>
                       <a:pPr>
                         <a:defRPr/>
                       </a:pPr>
                       <a:endParaRPr lang="ko-KR" altLang="en-US" sz="1600" b="1">
                         <a:solidFill>
-                          <a:srgbClr val="FF0000"/>
+                          <a:srgbClr val="ff0000"/>
                         </a:solidFill>
                       </a:endParaRPr>
                     </a:p>
                   </a:txBody>
-                  <a:tcPr>
+                  <a:tcPr marL="91440" marR="91440">
                     <a:lnL w="12700" cap="flat" cmpd="sng" algn="ctr">
                       <a:solidFill>
                         <a:schemeClr val="tx1"/>
@@ -5236,8 +5242,7 @@
               <a:tr h="791436">
                 <a:tc>
                   <a:txBody>
-                    <a:bodyPr/>
-                    <a:lstStyle/>
+                    <a:bodyPr vert="horz" lIns="91440" tIns="45720" rIns="91440" bIns="45720" anchor="t" anchorCtr="0"/>
                     <a:p>
                       <a:pPr lvl="0">
                         <a:defRPr/>
@@ -5261,6 +5266,9 @@
                         </a:rPr>
                         <a:t>(1020170168472)</a:t>
                       </a:r>
+                      <a:endParaRPr lang="en-US" altLang="ko-KR">
+                        <a:latin typeface="맑은 고딕"/>
+                      </a:endParaRPr>
                     </a:p>
                     <a:p>
                       <a:pPr lvl="0">
@@ -5270,9 +5278,10 @@
                         <a:rPr lang="en-US" altLang="ko-KR" sz="1600" b="1"/>
                         <a:t>Smart Attendance System to identify students who break away</a:t>
                       </a:r>
+                      <a:endParaRPr lang="en-US" altLang="ko-KR" sz="1600" b="1"/>
                     </a:p>
                   </a:txBody>
-                  <a:tcPr>
+                  <a:tcPr marL="91440" marR="91440">
                     <a:lnL w="9525" cap="flat" cmpd="sng" algn="ctr">
                       <a:noFill/>
                       <a:prstDash val="solid"/>
@@ -5303,20 +5312,19 @@
                 </a:tc>
                 <a:tc>
                   <a:txBody>
-                    <a:bodyPr/>
-                    <a:lstStyle/>
+                    <a:bodyPr vert="horz" lIns="91440" tIns="45720" rIns="91440" bIns="45720" anchor="t" anchorCtr="0"/>
                     <a:p>
                       <a:pPr>
                         <a:defRPr/>
                       </a:pPr>
                       <a:endParaRPr lang="ko-KR" altLang="en-US" sz="1600" b="1">
                         <a:solidFill>
-                          <a:srgbClr val="0000FF"/>
+                          <a:srgbClr val="0000ff"/>
                         </a:solidFill>
                       </a:endParaRPr>
                     </a:p>
                   </a:txBody>
-                  <a:tcPr>
+                  <a:tcPr marL="91440" marR="91440">
                     <a:lnL w="12700" cap="flat" cmpd="sng" algn="ctr">
                       <a:solidFill>
                         <a:schemeClr val="tx1"/>
@@ -5351,8 +5359,7 @@
               <a:tr h="791436">
                 <a:tc>
                   <a:txBody>
-                    <a:bodyPr/>
-                    <a:lstStyle/>
+                    <a:bodyPr vert="horz" lIns="91440" tIns="45720" rIns="91440" bIns="45720" anchor="t" anchorCtr="0"/>
                     <a:p>
                       <a:pPr lvl="0">
                         <a:defRPr/>
@@ -5376,6 +5383,9 @@
                         </a:rPr>
                         <a:t>(1020180041721)</a:t>
                       </a:r>
+                      <a:endParaRPr lang="en-US" altLang="ko-KR">
+                        <a:latin typeface="맑은 고딕"/>
+                      </a:endParaRPr>
                     </a:p>
                     <a:p>
                       <a:pPr lvl="0">
@@ -5385,9 +5395,10 @@
                         <a:rPr lang="en-US" altLang="ko-KR" sz="1600" b="1"/>
                         <a:t>Automatic Attendance Check Method Using Bluetooth and System Therefor</a:t>
                       </a:r>
+                      <a:endParaRPr lang="en-US" altLang="ko-KR" sz="1600" b="1"/>
                     </a:p>
                   </a:txBody>
-                  <a:tcPr>
+                  <a:tcPr marL="91440" marR="91440">
                     <a:lnL w="9525" cap="flat" cmpd="sng" algn="ctr">
                       <a:noFill/>
                       <a:prstDash val="solid"/>
@@ -5416,20 +5427,19 @@
                 </a:tc>
                 <a:tc>
                   <a:txBody>
-                    <a:bodyPr/>
-                    <a:lstStyle/>
+                    <a:bodyPr vert="horz" lIns="91440" tIns="45720" rIns="91440" bIns="45720" anchor="t" anchorCtr="0"/>
                     <a:p>
                       <a:pPr>
                         <a:defRPr/>
                       </a:pPr>
                       <a:endParaRPr lang="ko-KR" altLang="en-US" sz="1600" b="1">
                         <a:solidFill>
-                          <a:srgbClr val="0000FF"/>
+                          <a:srgbClr val="0000ff"/>
                         </a:solidFill>
                       </a:endParaRPr>
                     </a:p>
                   </a:txBody>
-                  <a:tcPr>
+                  <a:tcPr marL="91440" marR="91440">
                     <a:lnL w="12700" cap="flat" cmpd="sng" algn="ctr">
                       <a:solidFill>
                         <a:schemeClr val="tx1"/>
@@ -5488,39 +5498,54 @@
               <a:defRPr/>
             </a:pPr>
             <a:r>
-              <a:rPr lang="ko-KR" altLang="en-US" sz="1600" b="1" dirty="0">
+              <a:rPr lang="ko-KR" altLang="en-US" sz="1600" b="1">
                 <a:solidFill>
-                  <a:srgbClr val="0000FF"/>
+                  <a:srgbClr val="0000ff"/>
                 </a:solidFill>
               </a:rPr>
               <a:t>대리출석 해결 가능</a:t>
             </a:r>
+            <a:endParaRPr lang="ko-KR" altLang="en-US" sz="1600" b="1">
+              <a:solidFill>
+                <a:srgbClr val="0000ff"/>
+              </a:solidFill>
+            </a:endParaRPr>
           </a:p>
           <a:p>
             <a:pPr>
               <a:defRPr/>
             </a:pPr>
             <a:r>
-              <a:rPr lang="ko-KR" altLang="en-US" sz="1600" b="1" dirty="0">
+              <a:rPr lang="ko-KR" altLang="en-US" sz="1600" b="1">
                 <a:solidFill>
-                  <a:srgbClr val="FF0000"/>
+                  <a:srgbClr val="ff0000"/>
                 </a:solidFill>
               </a:rPr>
               <a:t>단말기 부재 시 처리 불가</a:t>
             </a:r>
+            <a:endParaRPr lang="ko-KR" altLang="en-US" sz="1600" b="1">
+              <a:solidFill>
+                <a:srgbClr val="ff0000"/>
+              </a:solidFill>
+            </a:endParaRPr>
           </a:p>
           <a:p>
             <a:pPr>
               <a:defRPr/>
             </a:pPr>
             <a:r>
-              <a:rPr lang="ko-KR" altLang="en-US" sz="1600" b="1" dirty="0">
+              <a:rPr lang="ko-KR" altLang="en-US" sz="1600" b="1">
                 <a:solidFill>
-                  <a:srgbClr val="FF0000"/>
+                  <a:srgbClr val="ff0000"/>
                 </a:solidFill>
               </a:rPr>
               <a:t>오랜 처리 시간</a:t>
             </a:r>
+            <a:endParaRPr lang="ko-KR" altLang="en-US" sz="1600" b="1">
+              <a:solidFill>
+                <a:srgbClr val="ff0000"/>
+              </a:solidFill>
+            </a:endParaRPr>
           </a:p>
         </p:txBody>
       </p:sp>
@@ -5549,26 +5574,36 @@
               <a:defRPr/>
             </a:pPr>
             <a:r>
-              <a:rPr lang="ko-KR" altLang="en-US" sz="1600" b="1" dirty="0">
+              <a:rPr lang="ko-KR" altLang="en-US" sz="1600" b="1">
                 <a:solidFill>
-                  <a:srgbClr val="FF0000"/>
+                  <a:srgbClr val="ff0000"/>
                 </a:solidFill>
               </a:rPr>
               <a:t>단말기 부재 시 처리 불가</a:t>
             </a:r>
+            <a:endParaRPr lang="ko-KR" altLang="en-US" sz="1600" b="1">
+              <a:solidFill>
+                <a:srgbClr val="ff0000"/>
+              </a:solidFill>
+            </a:endParaRPr>
           </a:p>
           <a:p>
             <a:pPr>
               <a:defRPr/>
             </a:pPr>
             <a:r>
-              <a:rPr lang="ko-KR" altLang="en-US" sz="1600" b="1" dirty="0">
+              <a:rPr lang="ko-KR" altLang="en-US" sz="1600" b="1">
                 <a:solidFill>
-                  <a:srgbClr val="FF0000"/>
+                  <a:srgbClr val="ff0000"/>
                 </a:solidFill>
               </a:rPr>
               <a:t>오랜 처리 시간</a:t>
             </a:r>
+            <a:endParaRPr lang="ko-KR" altLang="en-US" sz="1600" b="1">
+              <a:solidFill>
+                <a:srgbClr val="ff0000"/>
+              </a:solidFill>
+            </a:endParaRPr>
           </a:p>
         </p:txBody>
       </p:sp>
@@ -5599,11 +5634,16 @@
             <a:r>
               <a:rPr lang="ko-KR" altLang="en-US" sz="1600" b="1">
                 <a:solidFill>
-                  <a:srgbClr val="0000FF"/>
+                  <a:srgbClr val="0000ff"/>
                 </a:solidFill>
               </a:rPr>
               <a:t>대리출석 해결 가능</a:t>
             </a:r>
+            <a:endParaRPr lang="ko-KR" altLang="en-US" sz="1600" b="1">
+              <a:solidFill>
+                <a:srgbClr val="0000ff"/>
+              </a:solidFill>
+            </a:endParaRPr>
           </a:p>
           <a:p>
             <a:pPr>
@@ -5612,11 +5652,16 @@
             <a:r>
               <a:rPr lang="ko-KR" altLang="en-US" sz="1600" b="1">
                 <a:solidFill>
-                  <a:srgbClr val="FF0000"/>
+                  <a:srgbClr val="ff0000"/>
                 </a:solidFill>
               </a:rPr>
               <a:t>단말기 부재 시 처리 불가</a:t>
             </a:r>
+            <a:endParaRPr lang="ko-KR" altLang="en-US" sz="1600" b="1">
+              <a:solidFill>
+                <a:srgbClr val="ff0000"/>
+              </a:solidFill>
+            </a:endParaRPr>
           </a:p>
           <a:p>
             <a:pPr>
@@ -5625,11 +5670,16 @@
             <a:r>
               <a:rPr lang="ko-KR" altLang="en-US" sz="1600" b="1">
                 <a:solidFill>
-                  <a:srgbClr val="FF0000"/>
+                  <a:srgbClr val="ff0000"/>
                 </a:solidFill>
               </a:rPr>
               <a:t>태그 설치에 따른 자원 소모</a:t>
             </a:r>
+            <a:endParaRPr lang="ko-KR" altLang="en-US" sz="1600" b="1">
+              <a:solidFill>
+                <a:srgbClr val="ff0000"/>
+              </a:solidFill>
+            </a:endParaRPr>
           </a:p>
         </p:txBody>
       </p:sp>
@@ -5660,11 +5710,16 @@
             <a:r>
               <a:rPr lang="ko-KR" altLang="en-US" sz="1600" b="1">
                 <a:solidFill>
-                  <a:srgbClr val="0000FF"/>
+                  <a:srgbClr val="0000ff"/>
                 </a:solidFill>
               </a:rPr>
               <a:t>대리출석 해결 가능</a:t>
             </a:r>
+            <a:endParaRPr lang="ko-KR" altLang="en-US" sz="1600" b="1">
+              <a:solidFill>
+                <a:srgbClr val="0000ff"/>
+              </a:solidFill>
+            </a:endParaRPr>
           </a:p>
           <a:p>
             <a:pPr>
@@ -5673,11 +5728,16 @@
             <a:r>
               <a:rPr lang="ko-KR" altLang="en-US" sz="1600" b="1">
                 <a:solidFill>
-                  <a:srgbClr val="FF0000"/>
+                  <a:srgbClr val="ff0000"/>
                 </a:solidFill>
               </a:rPr>
               <a:t>단말기 부재 시 처리 불가</a:t>
             </a:r>
+            <a:endParaRPr lang="ko-KR" altLang="en-US" sz="1600" b="1">
+              <a:solidFill>
+                <a:srgbClr val="ff0000"/>
+              </a:solidFill>
+            </a:endParaRPr>
           </a:p>
           <a:p>
             <a:pPr>
@@ -5686,7 +5746,7 @@
             <a:r>
               <a:rPr lang="ko-KR" altLang="en-US" sz="1600" b="1">
                 <a:solidFill>
-                  <a:srgbClr val="FF0000"/>
+                  <a:srgbClr val="ff0000"/>
                 </a:solidFill>
               </a:rPr>
               <a:t>신호의 송</a:t>
@@ -5694,7 +5754,7 @@
             <a:r>
               <a:rPr lang="en-US" altLang="ko-KR" sz="1600" b="1">
                 <a:solidFill>
-                  <a:srgbClr val="FF0000"/>
+                  <a:srgbClr val="ff0000"/>
                 </a:solidFill>
               </a:rPr>
               <a:t>/</a:t>
@@ -5702,11 +5762,16 @@
             <a:r>
               <a:rPr lang="ko-KR" altLang="en-US" sz="1600" b="1">
                 <a:solidFill>
-                  <a:srgbClr val="FF0000"/>
+                  <a:srgbClr val="ff0000"/>
                 </a:solidFill>
               </a:rPr>
               <a:t>수신 거리 문제</a:t>
             </a:r>
+            <a:endParaRPr lang="ko-KR" altLang="en-US" sz="1600" b="1">
+              <a:solidFill>
+                <a:srgbClr val="ff0000"/>
+              </a:solidFill>
+            </a:endParaRPr>
           </a:p>
         </p:txBody>
       </p:sp>
@@ -5716,7 +5781,7 @@
     <a:masterClrMapping/>
   </p:clrMapOvr>
   <mc:AlternateContent xmlns:mc="http://schemas.openxmlformats.org/markup-compatibility/2006">
-    <mc:Choice xmlns:p14="http://schemas.microsoft.com/office/powerpoint/2010/main" xmlns:dsp="http://schemas.microsoft.com/office/drawing/2008/diagram" xmlns:dgm="http://schemas.openxmlformats.org/drawingml/2006/diagram" xmlns:c="http://schemas.openxmlformats.org/drawingml/2006/chart" xmlns="" Requires="p14">
+    <mc:Choice xmlns:p14="http://schemas.microsoft.com/office/powerpoint/2010/main" Requires="p14">
       <p:transition xmlns:mc="http://schemas.openxmlformats.org/markup-compatibility/2006" xmlns:p14="http://schemas.microsoft.com/office/powerpoint/2010/main" mc:Ignorable="p14" p14:dur="500"/>
     </mc:Choice>
     <mc:Fallback>
@@ -6428,7 +6493,7 @@
 </file>
 
 <file path=ppt/slides/slide4.xml><?xml version="1.0" encoding="utf-8"?>
-<p:sld xmlns:a="http://schemas.openxmlformats.org/drawingml/2006/main" xmlns:r="http://schemas.openxmlformats.org/officeDocument/2006/relationships" xmlns:p="http://schemas.openxmlformats.org/presentationml/2006/main">
+<p:sld xmlns:r="http://schemas.openxmlformats.org/officeDocument/2006/relationships" xmlns:c="http://schemas.openxmlformats.org/drawingml/2006/chart" xmlns:a="http://schemas.openxmlformats.org/drawingml/2006/main" xmlns:dgm="http://schemas.openxmlformats.org/drawingml/2006/diagram" xmlns:dsp="http://schemas.microsoft.com/office/drawing/2008/diagram" xmlns:p="http://schemas.openxmlformats.org/presentationml/2006/main">
   <p:cSld>
     <p:spTree>
       <p:nvGrpSpPr>
@@ -6451,7 +6516,7 @@
             <a:spLocks noGrp="1"/>
           </p:cNvSpPr>
           <p:nvPr>
-            <p:ph type="title"/>
+            <p:ph type="title" idx="0"/>
           </p:nvPr>
         </p:nvSpPr>
         <p:spPr/>
@@ -6466,6 +6531,7 @@
               <a:rPr lang="ko-KR" altLang="en-US"/>
               <a:t>사용 프로그램 및 개발 사양</a:t>
             </a:r>
+            <a:endParaRPr lang="ko-KR" altLang="en-US"/>
           </a:p>
         </p:txBody>
       </p:sp>
@@ -6568,7 +6634,7 @@
         </p:nvGraphicFramePr>
         <p:xfrm>
           <a:off x="1209386" y="1931939"/>
-          <a:ext cx="10038386" cy="3710591"/>
+          <a:ext cx="10038386" cy="3712496"/>
         </p:xfrm>
         <a:graphic>
           <a:graphicData uri="http://schemas.openxmlformats.org/drawingml/2006/table">
@@ -6577,48 +6643,47 @@
                 <a:tableStyleId>{01A66EDD-3DAB-4C5B-A090-DC80EC1FD486}</a:tableStyleId>
               </a:tblPr>
               <a:tblGrid>
-                <a:gridCol w="4079306"/>
-                <a:gridCol w="5959080"/>
+                <a:gridCol w="3992715"/>
+                <a:gridCol w="6045670"/>
               </a:tblGrid>
               <a:tr h="249730">
                 <a:tc>
                   <a:txBody>
-                    <a:bodyPr/>
-                    <a:lstStyle/>
+                    <a:bodyPr vert="horz" lIns="91440" tIns="45720" rIns="91440" bIns="45720" anchor="t" anchorCtr="0"/>
                     <a:p>
                       <a:pPr algn="ctr">
                         <a:defRPr/>
                       </a:pPr>
                       <a:r>
-                        <a:rPr lang="ko-KR" altLang="en-US" dirty="0"/>
+                        <a:rPr lang="ko-KR" altLang="en-US"/>
                         <a:t>기술</a:t>
                       </a:r>
+                      <a:endParaRPr lang="ko-KR" altLang="en-US"/>
                     </a:p>
                   </a:txBody>
-                  <a:tcPr/>
+                  <a:tcPr marL="91440" marR="91440"/>
                 </a:tc>
                 <a:tc>
                   <a:txBody>
-                    <a:bodyPr/>
-                    <a:lstStyle/>
+                    <a:bodyPr vert="horz" lIns="91440" tIns="45720" rIns="91440" bIns="45720" anchor="t" anchorCtr="0"/>
                     <a:p>
                       <a:pPr algn="ctr">
                         <a:defRPr/>
                       </a:pPr>
                       <a:r>
-                        <a:rPr lang="ko-KR" altLang="en-US" dirty="0"/>
+                        <a:rPr lang="ko-KR" altLang="en-US"/>
                         <a:t>개발 사양</a:t>
                       </a:r>
+                      <a:endParaRPr lang="ko-KR" altLang="en-US"/>
                     </a:p>
                   </a:txBody>
-                  <a:tcPr/>
+                  <a:tcPr marL="91440" marR="91440"/>
                 </a:tc>
               </a:tr>
               <a:tr h="3344831">
                 <a:tc>
                   <a:txBody>
-                    <a:bodyPr/>
-                    <a:lstStyle/>
+                    <a:bodyPr vert="horz" lIns="91440" tIns="45720" rIns="91440" bIns="45720" anchor="t" anchorCtr="0"/>
                     <a:p>
                       <a:pPr marL="257040" indent="-257040">
                         <a:buFont typeface="Arial"/>
@@ -6626,33 +6691,30 @@
                         <a:defRPr/>
                       </a:pPr>
                       <a:r>
-                        <a:rPr lang="ko-KR" altLang="en-US" sz="2000" dirty="0">
+                        <a:rPr lang="ko-KR" altLang="en-US" sz="2000">
                           <a:latin typeface="+mn-ea"/>
                           <a:ea typeface="+mn-ea"/>
                         </a:rPr>
-                        <a:t>Open </a:t>
+                        <a:t>Open CV </a:t>
                       </a:r>
                       <a:r>
-                        <a:rPr lang="ko-KR" altLang="en-US" sz="2000" dirty="0" smtClean="0">
-                          <a:latin typeface="+mn-ea"/>
-                          <a:ea typeface="+mn-ea"/>
-                        </a:rPr>
-                        <a:t>CV </a:t>
-                      </a:r>
-                      <a:r>
-                        <a:rPr lang="en-US" altLang="ko-KR" sz="2000" dirty="0" smtClean="0">
+                        <a:rPr lang="en-US" altLang="ko-KR" sz="2000">
                           <a:latin typeface="+mn-ea"/>
                           <a:ea typeface="+mn-ea"/>
                         </a:rPr>
                         <a:t>– Face</a:t>
                       </a:r>
                       <a:r>
-                        <a:rPr lang="en-US" altLang="ko-KR" sz="2000" baseline="0" dirty="0" smtClean="0">
+                        <a:rPr lang="en-US" altLang="ko-KR" sz="2000" baseline="0">
                           <a:latin typeface="+mn-ea"/>
                           <a:ea typeface="+mn-ea"/>
                         </a:rPr>
                         <a:t> Detection</a:t>
                       </a:r>
+                      <a:endParaRPr lang="en-US" altLang="ko-KR" sz="2000" baseline="0">
+                        <a:latin typeface="+mn-ea"/>
+                        <a:ea typeface="+mn-ea"/>
+                      </a:endParaRPr>
                     </a:p>
                     <a:p>
                       <a:pPr marL="257040" indent="-257040">
@@ -6660,7 +6722,7 @@
                         <a:buChar char="•"/>
                         <a:defRPr/>
                       </a:pPr>
-                      <a:endParaRPr lang="ko-KR" altLang="en-US" sz="2000" dirty="0">
+                      <a:endParaRPr lang="ko-KR" altLang="en-US" sz="2000">
                         <a:latin typeface="+mn-ea"/>
                         <a:ea typeface="+mn-ea"/>
                       </a:endParaRPr>
@@ -6672,33 +6734,37 @@
                         <a:defRPr/>
                       </a:pPr>
                       <a:r>
-                        <a:rPr lang="en-US" altLang="ko-KR" sz="2000" dirty="0" err="1" smtClean="0">
+                        <a:rPr lang="en-US" altLang="ko-KR" sz="2000">
                           <a:latin typeface="+mn-ea"/>
                           <a:ea typeface="+mn-ea"/>
                         </a:rPr>
                         <a:t>OpenFace</a:t>
                       </a:r>
                       <a:r>
-                        <a:rPr lang="en-US" altLang="ko-KR" sz="2000" baseline="0" dirty="0" smtClean="0">
+                        <a:rPr lang="en-US" altLang="ko-KR" sz="2000" baseline="0">
                           <a:latin typeface="+mn-ea"/>
                           <a:ea typeface="+mn-ea"/>
                         </a:rPr>
                         <a:t> </a:t>
                       </a:r>
                       <a:r>
-                        <a:rPr lang="en-US" altLang="ko-KR" sz="2000" dirty="0" smtClean="0">
+                        <a:rPr lang="en-US" altLang="ko-KR" sz="2000">
                           <a:latin typeface="+mn-ea"/>
                           <a:ea typeface="+mn-ea"/>
                         </a:rPr>
                         <a:t>– Face</a:t>
                       </a:r>
                       <a:r>
-                        <a:rPr lang="en-US" altLang="ko-KR" sz="2000" baseline="0" dirty="0" smtClean="0">
+                        <a:rPr lang="en-US" altLang="ko-KR" sz="2000" baseline="0">
                           <a:latin typeface="+mn-ea"/>
                           <a:ea typeface="+mn-ea"/>
                         </a:rPr>
                         <a:t> Align</a:t>
                       </a:r>
+                      <a:endParaRPr lang="en-US" altLang="ko-KR" sz="2000" baseline="0">
+                        <a:latin typeface="+mn-ea"/>
+                        <a:ea typeface="+mn-ea"/>
+                      </a:endParaRPr>
                     </a:p>
                     <a:p>
                       <a:pPr marL="257040" indent="-257040">
@@ -6706,7 +6772,7 @@
                         <a:buChar char="•"/>
                         <a:defRPr/>
                       </a:pPr>
-                      <a:endParaRPr lang="ko-KR" altLang="en-US" sz="2000" dirty="0">
+                      <a:endParaRPr lang="ko-KR" altLang="en-US" sz="2000">
                         <a:latin typeface="+mn-ea"/>
                         <a:ea typeface="+mn-ea"/>
                       </a:endParaRPr>
@@ -6718,33 +6784,23 @@
                         <a:defRPr/>
                       </a:pPr>
                       <a:r>
-                        <a:rPr lang="en-US" altLang="ko-KR" sz="2000" dirty="0" err="1" smtClean="0">
+                        <a:rPr lang="en-US" altLang="ko-KR" sz="2000">
                           <a:latin typeface="+mn-ea"/>
                           <a:ea typeface="+mn-ea"/>
                         </a:rPr>
-                        <a:t>Tensorflow</a:t>
+                        <a:t>Tensorflow –</a:t>
                       </a:r>
                       <a:r>
-                        <a:rPr lang="en-US" altLang="ko-KR" sz="2000" dirty="0" smtClean="0">
+                        <a:rPr lang="en-US" altLang="ko-KR" sz="2000" baseline="0">
                           <a:latin typeface="+mn-ea"/>
                           <a:ea typeface="+mn-ea"/>
                         </a:rPr>
-                        <a:t> –</a:t>
+                        <a:t> Vector extraction DNN, Convolution layer</a:t>
                       </a:r>
-                      <a:r>
-                        <a:rPr lang="en-US" altLang="ko-KR" sz="2000" baseline="0" dirty="0" smtClean="0">
-                          <a:latin typeface="+mn-ea"/>
-                          <a:ea typeface="+mn-ea"/>
-                        </a:rPr>
-                        <a:t> </a:t>
-                      </a:r>
-                      <a:r>
-                        <a:rPr lang="en-US" altLang="ko-KR" sz="1400" baseline="0" dirty="0" smtClean="0">
-                          <a:latin typeface="+mn-ea"/>
-                          <a:ea typeface="+mn-ea"/>
-                        </a:rPr>
-                        <a:t>Vector extraction, DNN, Convolution layer</a:t>
-                      </a:r>
+                      <a:endParaRPr lang="en-US" altLang="ko-KR" sz="1400" baseline="0">
+                        <a:latin typeface="+mn-ea"/>
+                        <a:ea typeface="+mn-ea"/>
+                      </a:endParaRPr>
                     </a:p>
                     <a:p>
                       <a:pPr marL="257040" indent="-257040">
@@ -6752,7 +6808,7 @@
                         <a:buChar char="•"/>
                         <a:defRPr/>
                       </a:pPr>
-                      <a:endParaRPr lang="ko-KR" altLang="en-US" sz="2000" dirty="0">
+                      <a:endParaRPr lang="ko-KR" altLang="en-US" sz="2000">
                         <a:latin typeface="+mn-ea"/>
                         <a:ea typeface="+mn-ea"/>
                       </a:endParaRPr>
@@ -6764,45 +6820,23 @@
                         <a:defRPr/>
                       </a:pPr>
                       <a:r>
-                        <a:rPr lang="en-US" altLang="ko-KR" sz="2000" dirty="0" smtClean="0">
+                        <a:rPr lang="en-US" altLang="ko-KR" sz="2000">
                           <a:latin typeface="+mn-ea"/>
                           <a:ea typeface="+mn-ea"/>
                         </a:rPr>
-                        <a:t>HTTP </a:t>
+                        <a:t>HttpUrlConnection</a:t>
                       </a:r>
-                      <a:r>
-                        <a:rPr lang="en-US" altLang="ko-KR" sz="2000" dirty="0" err="1" smtClean="0">
-                          <a:latin typeface="+mn-ea"/>
-                          <a:ea typeface="+mn-ea"/>
-                        </a:rPr>
-                        <a:t>Url</a:t>
-                      </a:r>
-                      <a:r>
-                        <a:rPr lang="en-US" altLang="ko-KR" sz="2000" baseline="0" dirty="0" smtClean="0">
-                          <a:latin typeface="+mn-ea"/>
-                          <a:ea typeface="+mn-ea"/>
-                        </a:rPr>
-                        <a:t> </a:t>
-                      </a:r>
-                      <a:r>
-                        <a:rPr lang="en-US" altLang="ko-KR" sz="2000" dirty="0" smtClean="0">
-                          <a:latin typeface="+mn-ea"/>
-                          <a:ea typeface="+mn-ea"/>
-                        </a:rPr>
-                        <a:t>Connection</a:t>
-                      </a:r>
-                      <a:endParaRPr lang="ko-KR" altLang="en-US" sz="2000" dirty="0">
+                      <a:endParaRPr lang="en-US" altLang="ko-KR" sz="2000">
                         <a:latin typeface="+mn-ea"/>
                         <a:ea typeface="+mn-ea"/>
                       </a:endParaRPr>
                     </a:p>
                   </a:txBody>
-                  <a:tcPr/>
+                  <a:tcPr marL="91440" marR="91440"/>
                 </a:tc>
                 <a:tc>
                   <a:txBody>
-                    <a:bodyPr/>
-                    <a:lstStyle/>
+                    <a:bodyPr vert="horz" lIns="91440" tIns="45720" rIns="91440" bIns="45720" anchor="t" anchorCtr="0"/>
                     <a:p>
                       <a:pPr marL="257040" indent="-257040">
                         <a:buFont typeface="Arial"/>
@@ -6810,28 +6844,28 @@
                         <a:defRPr/>
                       </a:pPr>
                       <a:r>
-                        <a:rPr lang="ko-KR" altLang="en-US" sz="2200" dirty="0"/>
+                        <a:rPr lang="ko-KR" altLang="en-US" sz="2200"/>
                         <a:t>OS - </a:t>
                       </a:r>
                       <a:r>
-                        <a:rPr lang="ko-KR" altLang="en-US" sz="2200" dirty="0">
+                        <a:rPr lang="ko-KR" altLang="en-US" sz="2200">
                           <a:solidFill>
-                            <a:srgbClr val="0000FF"/>
+                            <a:srgbClr val="0000ff"/>
                           </a:solidFill>
                         </a:rPr>
                         <a:t>Windows </a:t>
                       </a:r>
                       <a:r>
-                        <a:rPr lang="en-US" altLang="ko-KR" sz="2200" dirty="0" smtClean="0">
+                        <a:rPr lang="en-US" altLang="ko-KR" sz="2200">
                           <a:solidFill>
-                            <a:srgbClr val="0000FF"/>
+                            <a:srgbClr val="0000ff"/>
                           </a:solidFill>
                         </a:rPr>
                         <a:t>10</a:t>
                       </a:r>
-                      <a:endParaRPr lang="ko-KR" altLang="en-US" sz="2200" dirty="0">
+                      <a:endParaRPr lang="en-US" altLang="ko-KR" sz="2200">
                         <a:solidFill>
-                          <a:srgbClr val="0000FF"/>
+                          <a:srgbClr val="0000ff"/>
                         </a:solidFill>
                       </a:endParaRPr>
                     </a:p>
@@ -6841,9 +6875,9 @@
                         <a:buChar char="•"/>
                         <a:defRPr/>
                       </a:pPr>
-                      <a:endParaRPr lang="ko-KR" altLang="en-US" sz="2200" dirty="0">
+                      <a:endParaRPr lang="ko-KR" altLang="en-US" sz="2200">
                         <a:solidFill>
-                          <a:srgbClr val="0000FF"/>
+                          <a:srgbClr val="0000ff"/>
                         </a:solidFill>
                       </a:endParaRPr>
                     </a:p>
@@ -6854,52 +6888,52 @@
                         <a:defRPr/>
                       </a:pPr>
                       <a:r>
-                        <a:rPr lang="ko-KR" altLang="en-US" sz="2200" dirty="0"/>
+                        <a:rPr lang="ko-KR" altLang="en-US" sz="2200"/>
                         <a:t>Language </a:t>
                       </a:r>
                       <a:r>
-                        <a:rPr lang="en-US" altLang="ko-KR" sz="2200" dirty="0" smtClean="0"/>
+                        <a:rPr lang="en-US" altLang="ko-KR" sz="2200"/>
                         <a:t>–</a:t>
                       </a:r>
                       <a:r>
-                        <a:rPr lang="ko-KR" altLang="en-US" sz="2200" dirty="0" smtClean="0"/>
+                        <a:rPr lang="ko-KR" altLang="en-US" sz="2200"/>
                         <a:t> </a:t>
                       </a:r>
                       <a:r>
-                        <a:rPr lang="en-US" altLang="ko-KR" sz="2200" dirty="0" smtClean="0">
+                        <a:rPr lang="en-US" altLang="ko-KR" sz="2200">
                           <a:solidFill>
-                            <a:srgbClr val="0000FF"/>
+                            <a:srgbClr val="0000ff"/>
                           </a:solidFill>
                         </a:rPr>
                         <a:t>Android</a:t>
                       </a:r>
                       <a:r>
-                        <a:rPr lang="ko-KR" altLang="en-US" sz="2200" dirty="0" smtClean="0">
+                        <a:rPr lang="ko-KR" altLang="en-US" sz="2200">
                           <a:solidFill>
-                            <a:srgbClr val="0000FF"/>
+                            <a:srgbClr val="0000ff"/>
                           </a:solidFill>
                         </a:rPr>
                         <a:t>, </a:t>
                       </a:r>
                       <a:r>
-                        <a:rPr lang="en-US" altLang="ko-KR" sz="2200" b="0" dirty="0" smtClean="0">
+                        <a:rPr lang="en-US" altLang="ko-KR" sz="2200" b="0">
                           <a:solidFill>
-                            <a:srgbClr val="0000FF"/>
+                            <a:srgbClr val="0000ff"/>
                           </a:solidFill>
                         </a:rPr>
                         <a:t>Python</a:t>
                       </a:r>
                       <a:r>
-                        <a:rPr lang="en-US" altLang="ko-KR" sz="2200" b="0" baseline="0" dirty="0" smtClean="0">
+                        <a:rPr lang="en-US" altLang="ko-KR" sz="2200" b="0" baseline="0">
                           <a:solidFill>
-                            <a:srgbClr val="0000FF"/>
+                            <a:srgbClr val="0000ff"/>
                           </a:solidFill>
                         </a:rPr>
                         <a:t>, JSP, SQL</a:t>
                       </a:r>
-                      <a:endParaRPr lang="ko-KR" altLang="en-US" sz="2200" b="0" dirty="0">
+                      <a:endParaRPr lang="en-US" altLang="ko-KR" sz="2200" b="0" baseline="0">
                         <a:solidFill>
-                          <a:srgbClr val="0000FF"/>
+                          <a:srgbClr val="0000ff"/>
                         </a:solidFill>
                       </a:endParaRPr>
                     </a:p>
@@ -6909,9 +6943,9 @@
                         <a:buChar char="•"/>
                         <a:defRPr/>
                       </a:pPr>
-                      <a:endParaRPr lang="ko-KR" altLang="en-US" sz="2200" dirty="0">
+                      <a:endParaRPr lang="ko-KR" altLang="en-US" sz="2200">
                         <a:solidFill>
-                          <a:srgbClr val="0000FF"/>
+                          <a:srgbClr val="0000ff"/>
                         </a:solidFill>
                       </a:endParaRPr>
                     </a:p>
@@ -6922,76 +6956,52 @@
                         <a:defRPr/>
                       </a:pPr>
                       <a:r>
-                        <a:rPr lang="ko-KR" altLang="en-US" sz="2200" dirty="0"/>
+                        <a:rPr lang="ko-KR" altLang="en-US" sz="2200"/>
                         <a:t>Tool - </a:t>
                       </a:r>
                       <a:r>
-                        <a:rPr lang="en-US" altLang="ko-KR" sz="2200" i="0" dirty="0" smtClean="0">
+                        <a:rPr lang="en-US" altLang="ko-KR" sz="2200" i="0">
                           <a:solidFill>
-                            <a:srgbClr val="0000FF"/>
+                            <a:srgbClr val="0000ff"/>
                           </a:solidFill>
                         </a:rPr>
                         <a:t>Android</a:t>
                       </a:r>
                       <a:r>
-                        <a:rPr lang="ko-KR" altLang="en-US" sz="2200" i="0" dirty="0" smtClean="0">
+                        <a:rPr lang="ko-KR" altLang="en-US" sz="2200" i="0">
                           <a:solidFill>
-                            <a:srgbClr val="0000FF"/>
+                            <a:srgbClr val="0000ff"/>
                           </a:solidFill>
                         </a:rPr>
                         <a:t> Studio</a:t>
                       </a:r>
                       <a:r>
-                        <a:rPr lang="ko-KR" altLang="en-US" sz="2200" dirty="0" smtClean="0">
+                        <a:rPr lang="ko-KR" altLang="en-US" sz="2200">
                           <a:solidFill>
-                            <a:srgbClr val="0000FF"/>
+                            <a:srgbClr val="0000ff"/>
                           </a:solidFill>
                         </a:rPr>
                         <a:t>, eclipse</a:t>
                       </a:r>
                       <a:r>
-                        <a:rPr lang="en-US" altLang="ko-KR" sz="2200" dirty="0" smtClean="0">
+                        <a:rPr lang="en-US" altLang="ko-KR" sz="2200">
                           <a:solidFill>
-                            <a:srgbClr val="0000FF"/>
+                            <a:srgbClr val="0000ff"/>
                           </a:solidFill>
                         </a:rPr>
                         <a:t>,</a:t>
                       </a:r>
                       <a:r>
-                        <a:rPr lang="en-US" altLang="ko-KR" sz="2200" baseline="0" dirty="0" smtClean="0">
+                        <a:rPr lang="en-US" altLang="ko-KR" sz="2200" baseline="0">
                           <a:solidFill>
-                            <a:srgbClr val="0000FF"/>
+                            <a:srgbClr val="0000ff"/>
                           </a:solidFill>
                         </a:rPr>
-                        <a:t> </a:t>
+                        <a:t> PyCharm, MySQL</a:t>
                       </a:r>
-                      <a:r>
-                        <a:rPr lang="en-US" altLang="ko-KR" sz="2200" baseline="0" dirty="0" err="1" smtClean="0">
-                          <a:solidFill>
-                            <a:srgbClr val="0000FF"/>
-                          </a:solidFill>
-                        </a:rPr>
-                        <a:t>PyCharm</a:t>
-                      </a:r>
-                      <a:r>
-                        <a:rPr lang="en-US" altLang="ko-KR" sz="2200" baseline="0" dirty="0" smtClean="0">
-                          <a:solidFill>
-                            <a:srgbClr val="0000FF"/>
-                          </a:solidFill>
-                        </a:rPr>
-                        <a:t>, </a:t>
-                      </a:r>
-                      <a:r>
-                        <a:rPr lang="en-US" altLang="ko-KR" sz="2200" baseline="0" dirty="0" err="1" smtClean="0">
-                          <a:solidFill>
-                            <a:srgbClr val="0000FF"/>
-                          </a:solidFill>
-                        </a:rPr>
-                        <a:t>MySQL</a:t>
-                      </a:r>
-                      <a:endParaRPr lang="ko-KR" altLang="en-US" sz="2200" dirty="0">
+                      <a:endParaRPr lang="en-US" altLang="ko-KR" sz="2200" baseline="0">
                         <a:solidFill>
-                          <a:srgbClr val="0000FF"/>
+                          <a:srgbClr val="0000ff"/>
                         </a:solidFill>
                       </a:endParaRPr>
                     </a:p>
@@ -7001,9 +7011,9 @@
                         <a:buChar char="•"/>
                         <a:defRPr/>
                       </a:pPr>
-                      <a:endParaRPr lang="ko-KR" altLang="en-US" sz="2200" dirty="0">
+                      <a:endParaRPr lang="ko-KR" altLang="en-US" sz="2200">
                         <a:solidFill>
-                          <a:srgbClr val="0000FF"/>
+                          <a:srgbClr val="0000ff"/>
                         </a:solidFill>
                       </a:endParaRPr>
                     </a:p>
@@ -7014,76 +7024,36 @@
                         <a:defRPr/>
                       </a:pPr>
                       <a:r>
-                        <a:rPr lang="ko-KR" altLang="en-US" sz="2200" dirty="0"/>
+                        <a:rPr lang="ko-KR" altLang="en-US" sz="2200"/>
                         <a:t>Library </a:t>
                       </a:r>
                       <a:r>
-                        <a:rPr lang="en-US" altLang="ko-KR" sz="2200" dirty="0" smtClean="0"/>
+                        <a:rPr lang="en-US" altLang="ko-KR" sz="2200"/>
                         <a:t>–</a:t>
                       </a:r>
                       <a:r>
-                        <a:rPr lang="ko-KR" altLang="en-US" sz="2200" dirty="0" smtClean="0"/>
+                        <a:rPr lang="ko-KR" altLang="en-US" sz="2200"/>
                         <a:t> </a:t>
                       </a:r>
                       <a:r>
-                        <a:rPr lang="en-US" altLang="ko-KR" sz="2200" i="0" dirty="0" err="1" smtClean="0">
+                        <a:rPr lang="en-US" altLang="ko-KR" sz="2200" i="0">
                           <a:solidFill>
-                            <a:srgbClr val="0000FF"/>
+                            <a:srgbClr val="0000ff"/>
                           </a:solidFill>
                         </a:rPr>
-                        <a:t>Tensorflow</a:t>
+                        <a:t>Tensorflow, OpenCV,</a:t>
                       </a:r>
                       <a:r>
-                        <a:rPr lang="en-US" altLang="ko-KR" sz="2200" i="0" dirty="0" smtClean="0">
+                        <a:rPr lang="en-US" altLang="ko-KR" sz="2200" i="0" baseline="0">
                           <a:solidFill>
-                            <a:srgbClr val="0000FF"/>
+                            <a:srgbClr val="0000ff"/>
                           </a:solidFill>
                         </a:rPr>
-                        <a:t>, </a:t>
+                        <a:t> MultiPart, …</a:t>
                       </a:r>
-                      <a:r>
-                        <a:rPr lang="en-US" altLang="ko-KR" sz="2200" i="0" dirty="0" err="1" smtClean="0">
-                          <a:solidFill>
-                            <a:srgbClr val="0000FF"/>
-                          </a:solidFill>
-                        </a:rPr>
-                        <a:t>OpenCV</a:t>
-                      </a:r>
-                      <a:r>
-                        <a:rPr lang="en-US" altLang="ko-KR" sz="2200" i="0" dirty="0" smtClean="0">
-                          <a:solidFill>
-                            <a:srgbClr val="0000FF"/>
-                          </a:solidFill>
-                        </a:rPr>
-                        <a:t>,</a:t>
-                      </a:r>
-                      <a:r>
-                        <a:rPr lang="en-US" altLang="ko-KR" sz="2200" i="0" baseline="0" dirty="0" smtClean="0">
-                          <a:solidFill>
-                            <a:srgbClr val="0000FF"/>
-                          </a:solidFill>
-                        </a:rPr>
-                        <a:t> </a:t>
-                      </a:r>
-                      <a:r>
-                        <a:rPr lang="en-US" altLang="ko-KR" sz="2200" i="0" baseline="0" dirty="0" err="1" smtClean="0">
-                          <a:solidFill>
-                            <a:srgbClr val="0000FF"/>
-                          </a:solidFill>
-                        </a:rPr>
-                        <a:t>MultiPart</a:t>
-                      </a:r>
-                      <a:r>
-                        <a:rPr lang="en-US" altLang="ko-KR" sz="2200" i="0" baseline="0" dirty="0" smtClean="0">
-                          <a:solidFill>
-                            <a:srgbClr val="0000FF"/>
-                          </a:solidFill>
-                        </a:rPr>
-                        <a:t>, …</a:t>
-                      </a:r>
-                      <a:endParaRPr lang="ko-KR" altLang="en-US" sz="2200" b="1" dirty="0">
+                      <a:endParaRPr lang="en-US" altLang="ko-KR" sz="2200" i="0" baseline="0">
                         <a:solidFill>
-                          <a:srgbClr val="0070C0"/>
+                          <a:srgbClr val="0000ff"/>
                         </a:solidFill>
                       </a:endParaRPr>
                     </a:p>
@@ -7093,9 +7063,9 @@
                         <a:buChar char="•"/>
                         <a:defRPr/>
                       </a:pPr>
-                      <a:endParaRPr lang="ko-KR" altLang="en-US" sz="2200" dirty="0">
+                      <a:endParaRPr lang="ko-KR" altLang="en-US" sz="2200">
                         <a:solidFill>
-                          <a:srgbClr val="0000FF"/>
+                          <a:srgbClr val="0000ff"/>
                         </a:solidFill>
                       </a:endParaRPr>
                     </a:p>
@@ -7106,25 +7076,25 @@
                         <a:defRPr/>
                       </a:pPr>
                       <a:r>
-                        <a:rPr lang="ko-KR" altLang="en-US" sz="2200" dirty="0"/>
+                        <a:rPr lang="ko-KR" altLang="en-US" sz="2200"/>
                         <a:t>Database - </a:t>
                       </a:r>
                       <a:r>
-                        <a:rPr lang="en-US" altLang="ko-KR" sz="2200" dirty="0" err="1" smtClean="0">
+                        <a:rPr lang="en-US" altLang="ko-KR" sz="2200">
                           <a:solidFill>
-                            <a:srgbClr val="0000FF"/>
+                            <a:srgbClr val="0000ff"/>
                           </a:solidFill>
                         </a:rPr>
                         <a:t>MySQL</a:t>
                       </a:r>
-                      <a:endParaRPr lang="ko-KR" altLang="en-US" sz="2200" dirty="0">
+                      <a:endParaRPr lang="ko-KR" altLang="en-US" sz="2200">
                         <a:solidFill>
-                          <a:srgbClr val="0000FF"/>
+                          <a:srgbClr val="0000ff"/>
                         </a:solidFill>
                       </a:endParaRPr>
                     </a:p>
                   </a:txBody>
-                  <a:tcPr/>
+                  <a:tcPr marL="91440" marR="91440"/>
                 </a:tc>
               </a:tr>
             </a:tbl>
@@ -7137,7 +7107,7 @@
     <a:masterClrMapping/>
   </p:clrMapOvr>
   <mc:AlternateContent xmlns:mc="http://schemas.openxmlformats.org/markup-compatibility/2006">
-    <mc:Choice xmlns:p14="http://schemas.microsoft.com/office/powerpoint/2010/main" xmlns:dsp="http://schemas.microsoft.com/office/drawing/2008/diagram" xmlns:dgm="http://schemas.openxmlformats.org/drawingml/2006/diagram" xmlns:c="http://schemas.openxmlformats.org/drawingml/2006/chart" xmlns="" Requires="p14">
+    <mc:Choice xmlns:p14="http://schemas.microsoft.com/office/powerpoint/2010/main" Requires="p14">
       <p:transition xmlns:mc="http://schemas.openxmlformats.org/markup-compatibility/2006" xmlns:p14="http://schemas.microsoft.com/office/powerpoint/2010/main" mc:Ignorable="p14" p14:dur="500"/>
     </mc:Choice>
     <mc:Fallback>
@@ -7155,7 +7125,7 @@
 </file>
 
 <file path=ppt/slides/slide5.xml><?xml version="1.0" encoding="utf-8"?>
-<p:sld xmlns:a="http://schemas.openxmlformats.org/drawingml/2006/main" xmlns:r="http://schemas.openxmlformats.org/officeDocument/2006/relationships" xmlns:p="http://schemas.openxmlformats.org/presentationml/2006/main">
+<p:sld xmlns:r="http://schemas.openxmlformats.org/officeDocument/2006/relationships" xmlns:c="http://schemas.openxmlformats.org/drawingml/2006/chart" xmlns:a="http://schemas.openxmlformats.org/drawingml/2006/main" xmlns:dgm="http://schemas.openxmlformats.org/drawingml/2006/diagram" xmlns:dsp="http://schemas.microsoft.com/office/drawing/2008/diagram" xmlns:p="http://schemas.openxmlformats.org/presentationml/2006/main">
   <p:cSld>
     <p:spTree>
       <p:nvGrpSpPr>
@@ -7186,7 +7156,7 @@
             <a:avLst/>
           </a:prstGeom>
           <a:solidFill>
-            <a:srgbClr val="F06666"/>
+            <a:srgbClr val="f06666"/>
           </a:solidFill>
           <a:ln>
             <a:solidFill>
@@ -7225,6 +7195,11 @@
               </a:rPr>
               <a:t>Python</a:t>
             </a:r>
+            <a:endParaRPr lang="en-US" altLang="ko-KR" sz="4000">
+              <a:solidFill>
+                <a:schemeClr val="tx1"/>
+              </a:solidFill>
+            </a:endParaRPr>
           </a:p>
         </p:txBody>
       </p:sp>
@@ -7235,7 +7210,7 @@
             <a:spLocks noGrp="1"/>
           </p:cNvSpPr>
           <p:nvPr>
-            <p:ph type="title"/>
+            <p:ph type="title" idx="0"/>
           </p:nvPr>
         </p:nvSpPr>
         <p:spPr>
@@ -7252,9 +7227,10 @@
               <a:defRPr/>
             </a:pPr>
             <a:r>
-              <a:rPr lang="ko-KR" altLang="en-US" dirty="0"/>
+              <a:rPr lang="ko-KR" altLang="en-US"/>
               <a:t>시스템 구성</a:t>
             </a:r>
+            <a:endParaRPr lang="ko-KR" altLang="en-US"/>
           </a:p>
         </p:txBody>
       </p:sp>
@@ -7315,7 +7291,7 @@
             <a:avLst/>
           </a:prstGeom>
           <a:solidFill>
-            <a:srgbClr val="92D050"/>
+            <a:srgbClr val="69d8ad"/>
           </a:solidFill>
           <a:ln>
             <a:solidFill>
@@ -7379,7 +7355,7 @@
             <a:avLst/>
           </a:prstGeom>
           <a:solidFill>
-            <a:srgbClr val="00B0F0"/>
+            <a:srgbClr val="c0cdef"/>
           </a:solidFill>
           <a:ln>
             <a:solidFill>
@@ -7484,7 +7460,7 @@
             </a:avLst>
           </a:prstGeom>
           <a:solidFill>
-            <a:srgbClr val="DFE6F7"/>
+            <a:srgbClr val="dfe6f7"/>
           </a:solidFill>
         </p:spPr>
         <p:style>
@@ -7551,7 +7527,7 @@
           <a:noFill/>
           <a:ln>
             <a:solidFill>
-              <a:srgbClr val="FF0000"/>
+              <a:srgbClr val="ff0000"/>
             </a:solidFill>
           </a:ln>
         </p:spPr>
@@ -7609,7 +7585,7 @@
             <a:avLst/>
           </a:prstGeom>
           <a:solidFill>
-            <a:srgbClr val="DFE6F7"/>
+            <a:srgbClr val="dfe6f7"/>
           </a:solidFill>
           <a:ln>
             <a:solidFill>
@@ -7648,6 +7624,11 @@
               </a:rPr>
               <a:t>안면인식</a:t>
             </a:r>
+            <a:endParaRPr lang="ko-KR" altLang="en-US" sz="1600">
+              <a:solidFill>
+                <a:schemeClr val="tx1"/>
+              </a:solidFill>
+            </a:endParaRPr>
           </a:p>
         </p:txBody>
       </p:sp>
@@ -7668,7 +7649,7 @@
           <a:noFill/>
           <a:ln>
             <a:solidFill>
-              <a:srgbClr val="FF0000"/>
+              <a:srgbClr val="ff0000"/>
             </a:solidFill>
           </a:ln>
         </p:spPr>
@@ -7726,7 +7707,7 @@
             <a:avLst/>
           </a:prstGeom>
           <a:solidFill>
-            <a:srgbClr val="FFC000"/>
+            <a:srgbClr val="ffc000"/>
           </a:solidFill>
           <a:ln>
             <a:solidFill>
@@ -7873,7 +7854,7 @@
             </a:avLst>
           </a:prstGeom>
           <a:solidFill>
-            <a:srgbClr val="DFE6F7"/>
+            <a:srgbClr val="dfe6f7"/>
           </a:solidFill>
         </p:spPr>
         <p:style>
@@ -7907,6 +7888,11 @@
               </a:rPr>
               <a:t>학생 목록</a:t>
             </a:r>
+            <a:endParaRPr lang="ko-KR" altLang="en-US">
+              <a:solidFill>
+                <a:schemeClr val="tx1"/>
+              </a:solidFill>
+            </a:endParaRPr>
           </a:p>
         </p:txBody>
       </p:sp>
@@ -7927,7 +7913,7 @@
           <a:noFill/>
           <a:ln>
             <a:solidFill>
-              <a:srgbClr val="FF0000"/>
+              <a:srgbClr val="ff0000"/>
             </a:solidFill>
           </a:ln>
         </p:spPr>
@@ -8025,7 +8011,7 @@
             </a:avLst>
           </a:prstGeom>
           <a:solidFill>
-            <a:srgbClr val="DFE6F7"/>
+            <a:srgbClr val="dfe6f7"/>
           </a:solidFill>
         </p:spPr>
         <p:style>
@@ -8059,6 +8045,11 @@
               </a:rPr>
               <a:t>학생 목록</a:t>
             </a:r>
+            <a:endParaRPr lang="ko-KR" altLang="en-US">
+              <a:solidFill>
+                <a:schemeClr val="tx1"/>
+              </a:solidFill>
+            </a:endParaRPr>
           </a:p>
         </p:txBody>
       </p:sp>
@@ -8079,7 +8070,7 @@
           <a:noFill/>
           <a:ln>
             <a:solidFill>
-              <a:srgbClr val="FF0000"/>
+              <a:srgbClr val="ff0000"/>
             </a:solidFill>
           </a:ln>
         </p:spPr>
@@ -8139,7 +8130,7 @@
             </a:avLst>
           </a:prstGeom>
           <a:solidFill>
-            <a:srgbClr val="DFE6F7"/>
+            <a:srgbClr val="dfe6f7"/>
           </a:solidFill>
         </p:spPr>
         <p:style>
@@ -8173,6 +8164,11 @@
               </a:rPr>
               <a:t>쿼리</a:t>
             </a:r>
+            <a:endParaRPr lang="ko-KR" altLang="en-US">
+              <a:solidFill>
+                <a:schemeClr val="tx1"/>
+              </a:solidFill>
+            </a:endParaRPr>
           </a:p>
         </p:txBody>
       </p:sp>
@@ -8193,7 +8189,7 @@
           <a:noFill/>
           <a:ln>
             <a:solidFill>
-              <a:srgbClr val="FF0000"/>
+              <a:srgbClr val="ff0000"/>
             </a:solidFill>
           </a:ln>
         </p:spPr>
@@ -8253,7 +8249,7 @@
             </a:avLst>
           </a:prstGeom>
           <a:solidFill>
-            <a:srgbClr val="F2F2F2"/>
+            <a:srgbClr val="f2f2f2"/>
           </a:solidFill>
         </p:spPr>
         <p:style>
@@ -8668,7 +8664,7 @@
             </a:avLst>
           </a:prstGeom>
           <a:solidFill>
-            <a:srgbClr val="DFE6F7"/>
+            <a:srgbClr val="dfe6f7"/>
           </a:solidFill>
         </p:spPr>
         <p:style>
@@ -8702,6 +8698,11 @@
               </a:rPr>
               <a:t>교수 로그인</a:t>
             </a:r>
+            <a:endParaRPr lang="ko-KR" altLang="en-US">
+              <a:solidFill>
+                <a:schemeClr val="tx1"/>
+              </a:solidFill>
+            </a:endParaRPr>
           </a:p>
         </p:txBody>
       </p:sp>
@@ -8722,7 +8723,7 @@
           <a:noFill/>
           <a:ln>
             <a:solidFill>
-              <a:srgbClr val="FF0000"/>
+              <a:srgbClr val="ff0000"/>
             </a:solidFill>
           </a:ln>
         </p:spPr>
@@ -8782,7 +8783,7 @@
             </a:avLst>
           </a:prstGeom>
           <a:solidFill>
-            <a:srgbClr val="DFE6F7"/>
+            <a:srgbClr val="dfe6f7"/>
           </a:solidFill>
         </p:spPr>
         <p:style>
@@ -8816,6 +8817,11 @@
               </a:rPr>
               <a:t>사진 촬영</a:t>
             </a:r>
+            <a:endParaRPr lang="ko-KR" altLang="en-US">
+              <a:solidFill>
+                <a:schemeClr val="tx1"/>
+              </a:solidFill>
+            </a:endParaRPr>
           </a:p>
         </p:txBody>
       </p:sp>
@@ -8918,7 +8924,7 @@
           <a:noFill/>
           <a:ln>
             <a:solidFill>
-              <a:srgbClr val="FF0000"/>
+              <a:srgbClr val="ff0000"/>
             </a:solidFill>
           </a:ln>
         </p:spPr>
@@ -8953,6 +8959,11 @@
               </a:rPr>
               <a:t>7</a:t>
             </a:r>
+            <a:endParaRPr lang="en-US" altLang="ko-KR">
+              <a:solidFill>
+                <a:schemeClr val="tx1"/>
+              </a:solidFill>
+            </a:endParaRPr>
           </a:p>
         </p:txBody>
       </p:sp>
@@ -8973,7 +8984,7 @@
             </a:avLst>
           </a:prstGeom>
           <a:solidFill>
-            <a:srgbClr val="DFE6F7"/>
+            <a:srgbClr val="dfe6f7"/>
           </a:solidFill>
         </p:spPr>
         <p:style>
@@ -9007,6 +9018,11 @@
               </a:rPr>
               <a:t>사진</a:t>
             </a:r>
+            <a:endParaRPr lang="ko-KR" altLang="en-US">
+              <a:solidFill>
+                <a:schemeClr val="tx1"/>
+              </a:solidFill>
+            </a:endParaRPr>
           </a:p>
         </p:txBody>
       </p:sp>
@@ -9027,7 +9043,7 @@
           <a:noFill/>
           <a:ln>
             <a:solidFill>
-              <a:srgbClr val="FF0000"/>
+              <a:srgbClr val="ff0000"/>
             </a:solidFill>
           </a:ln>
         </p:spPr>
@@ -9062,6 +9078,11 @@
               </a:rPr>
               <a:t>8</a:t>
             </a:r>
+            <a:endParaRPr lang="en-US" altLang="ko-KR">
+              <a:solidFill>
+                <a:schemeClr val="tx1"/>
+              </a:solidFill>
+            </a:endParaRPr>
           </a:p>
         </p:txBody>
       </p:sp>
@@ -9123,7 +9144,7 @@
             </a:avLst>
           </a:prstGeom>
           <a:solidFill>
-            <a:srgbClr val="DFE6F7"/>
+            <a:srgbClr val="dfe6f7"/>
           </a:solidFill>
         </p:spPr>
         <p:style>
@@ -9157,6 +9178,11 @@
               </a:rPr>
               <a:t>사진</a:t>
             </a:r>
+            <a:endParaRPr lang="ko-KR" altLang="en-US">
+              <a:solidFill>
+                <a:schemeClr val="tx1"/>
+              </a:solidFill>
+            </a:endParaRPr>
           </a:p>
         </p:txBody>
       </p:sp>
@@ -9177,7 +9203,7 @@
           <a:noFill/>
           <a:ln>
             <a:solidFill>
-              <a:srgbClr val="FF0000"/>
+              <a:srgbClr val="ff0000"/>
             </a:solidFill>
           </a:ln>
         </p:spPr>
@@ -9212,6 +9238,11 @@
               </a:rPr>
               <a:t>9</a:t>
             </a:r>
+            <a:endParaRPr lang="en-US" altLang="ko-KR">
+              <a:solidFill>
+                <a:schemeClr val="tx1"/>
+              </a:solidFill>
+            </a:endParaRPr>
           </a:p>
         </p:txBody>
       </p:sp>
@@ -9273,7 +9304,7 @@
             </a:avLst>
           </a:prstGeom>
           <a:solidFill>
-            <a:srgbClr val="DFE6F7"/>
+            <a:srgbClr val="dfe6f7"/>
           </a:solidFill>
         </p:spPr>
         <p:style>
@@ -9307,6 +9338,11 @@
               </a:rPr>
               <a:t>출결정보</a:t>
             </a:r>
+            <a:endParaRPr lang="ko-KR" altLang="en-US">
+              <a:solidFill>
+                <a:schemeClr val="tx1"/>
+              </a:solidFill>
+            </a:endParaRPr>
           </a:p>
         </p:txBody>
       </p:sp>
@@ -9368,7 +9404,7 @@
           <a:noFill/>
           <a:ln>
             <a:solidFill>
-              <a:srgbClr val="FF0000"/>
+              <a:srgbClr val="ff0000"/>
             </a:solidFill>
           </a:ln>
         </p:spPr>
@@ -9396,13 +9432,18 @@
               <a:defRPr/>
             </a:pPr>
             <a:r>
-              <a:rPr lang="en-US" altLang="ko-KR" dirty="0">
+              <a:rPr lang="en-US" altLang="ko-KR">
                 <a:solidFill>
                   <a:schemeClr val="tx1"/>
                 </a:solidFill>
               </a:rPr>
               <a:t>11</a:t>
             </a:r>
+            <a:endParaRPr lang="en-US" altLang="ko-KR">
+              <a:solidFill>
+                <a:schemeClr val="tx1"/>
+              </a:solidFill>
+            </a:endParaRPr>
           </a:p>
         </p:txBody>
       </p:sp>
@@ -9423,7 +9464,7 @@
             </a:avLst>
           </a:prstGeom>
           <a:solidFill>
-            <a:srgbClr val="DFE6F7"/>
+            <a:srgbClr val="dfe6f7"/>
           </a:solidFill>
         </p:spPr>
         <p:style>
@@ -9457,6 +9498,11 @@
               </a:rPr>
               <a:t>출결정보</a:t>
             </a:r>
+            <a:endParaRPr lang="ko-KR" altLang="en-US">
+              <a:solidFill>
+                <a:schemeClr val="tx1"/>
+              </a:solidFill>
+            </a:endParaRPr>
           </a:p>
         </p:txBody>
       </p:sp>
@@ -9477,7 +9523,7 @@
             </a:avLst>
           </a:prstGeom>
           <a:solidFill>
-            <a:srgbClr val="F4E5B2"/>
+            <a:srgbClr val="f4e5b2"/>
           </a:solidFill>
         </p:spPr>
         <p:style>
@@ -9511,6 +9557,11 @@
               </a:rPr>
               <a:t>출결처리</a:t>
             </a:r>
+            <a:endParaRPr lang="ko-KR" altLang="en-US">
+              <a:solidFill>
+                <a:schemeClr val="tx1"/>
+              </a:solidFill>
+            </a:endParaRPr>
           </a:p>
         </p:txBody>
       </p:sp>
@@ -9531,7 +9582,7 @@
           <a:noFill/>
           <a:ln>
             <a:solidFill>
-              <a:srgbClr val="FF0000"/>
+              <a:srgbClr val="ff0000"/>
             </a:solidFill>
           </a:ln>
         </p:spPr>
@@ -9559,13 +9610,18 @@
               <a:defRPr/>
             </a:pPr>
             <a:r>
-              <a:rPr lang="en-US" altLang="ko-KR" dirty="0">
+              <a:rPr lang="en-US" altLang="ko-KR">
                 <a:solidFill>
                   <a:schemeClr val="tx1"/>
                 </a:solidFill>
               </a:rPr>
               <a:t>10</a:t>
             </a:r>
+            <a:endParaRPr lang="en-US" altLang="ko-KR">
+              <a:solidFill>
+                <a:schemeClr val="tx1"/>
+              </a:solidFill>
+            </a:endParaRPr>
           </a:p>
         </p:txBody>
       </p:sp>
@@ -9575,7 +9631,7 @@
     <a:masterClrMapping/>
   </p:clrMapOvr>
   <mc:AlternateContent xmlns:mc="http://schemas.openxmlformats.org/markup-compatibility/2006">
-    <mc:Choice xmlns:p14="http://schemas.microsoft.com/office/powerpoint/2010/main" xmlns:dsp="http://schemas.microsoft.com/office/drawing/2008/diagram" xmlns:dgm="http://schemas.openxmlformats.org/drawingml/2006/diagram" xmlns:c="http://schemas.openxmlformats.org/drawingml/2006/chart" xmlns="" Requires="p14">
+    <mc:Choice xmlns:p14="http://schemas.microsoft.com/office/powerpoint/2010/main" Requires="p14">
       <p:transition xmlns:mc="http://schemas.openxmlformats.org/markup-compatibility/2006" xmlns:p14="http://schemas.microsoft.com/office/powerpoint/2010/main" mc:Ignorable="p14" p14:dur="500"/>
     </mc:Choice>
     <mc:Fallback>
@@ -11246,20 +11302,21 @@
       </p:par>
     </p:tnLst>
     <p:bldLst>
+      <p:bldP spid="41" grpId="0" animBg="1"/>
+      <p:bldP spid="40" grpId="1" animBg="1"/>
       <p:bldP spid="12" grpId="2" animBg="1"/>
       <p:bldP spid="13" grpId="3" animBg="1"/>
       <p:bldP spid="15" grpId="4" animBg="1"/>
-      <p:bldP spid="17" grpId="31" animBg="1"/>
-      <p:bldP spid="18" grpId="14" animBg="1"/>
       <p:bldP spid="20" grpId="5" animBg="1"/>
+      <p:bldP spid="27" grpId="6" animBg="1"/>
+      <p:bldP spid="28" grpId="7" animBg="1"/>
       <p:bldP spid="21" grpId="8" animBg="1"/>
       <p:bldP spid="22" grpId="9" animBg="1"/>
       <p:bldP spid="23" grpId="10" animBg="1"/>
       <p:bldP spid="24" grpId="11" animBg="1"/>
       <p:bldP spid="25" grpId="12" animBg="1"/>
       <p:bldP spid="26" grpId="13" animBg="1"/>
-      <p:bldP spid="27" grpId="6" animBg="1"/>
-      <p:bldP spid="28" grpId="7" animBg="1"/>
+      <p:bldP spid="18" grpId="14" animBg="1"/>
       <p:bldP spid="29" grpId="15" animBg="1"/>
       <p:bldP spid="31" grpId="16" animBg="1"/>
       <p:bldP spid="32" grpId="17" animBg="1"/>
@@ -11268,8 +11325,6 @@
       <p:bldP spid="35" grpId="20" animBg="1"/>
       <p:bldP spid="36" grpId="21" animBg="1"/>
       <p:bldP spid="37" grpId="22" animBg="1"/>
-      <p:bldP spid="41" grpId="0" animBg="1"/>
-      <p:bldP spid="40" grpId="1" animBg="1"/>
       <p:bldP spid="44" grpId="23" animBg="1"/>
       <p:bldP spid="45" grpId="24" animBg="1"/>
       <p:bldP spid="46" grpId="25" animBg="1"/>
@@ -11278,21 +11333,22 @@
       <p:bldP spid="49" grpId="28" animBg="1"/>
       <p:bldP spid="51" grpId="29" animBg="1"/>
       <p:bldP spid="50" grpId="30" animBg="1"/>
+      <p:bldP spid="17" grpId="31" animBg="1"/>
       <p:bldP spid="52" grpId="32" animBg="1"/>
       <p:bldP spid="53" grpId="33" animBg="1"/>
       <p:bldP spid="55" grpId="34" animBg="1"/>
+      <p:bldP spid="63" grpId="35" animBg="1"/>
       <p:bldP spid="56" grpId="36" animBg="1"/>
       <p:bldP spid="57" grpId="37" animBg="1"/>
       <p:bldP spid="58" grpId="38" animBg="1"/>
       <p:bldP spid="62" grpId="39" animBg="1"/>
-      <p:bldP spid="63" grpId="35" animBg="1"/>
     </p:bldLst>
   </p:timing>
 </p:sld>
 </file>
 
 <file path=ppt/slides/slide6.xml><?xml version="1.0" encoding="utf-8"?>
-<p:sld xmlns:a="http://schemas.openxmlformats.org/drawingml/2006/main" xmlns:r="http://schemas.openxmlformats.org/officeDocument/2006/relationships" xmlns:p="http://schemas.openxmlformats.org/presentationml/2006/main">
+<p:sld xmlns:r="http://schemas.openxmlformats.org/officeDocument/2006/relationships" xmlns:c="http://schemas.openxmlformats.org/drawingml/2006/chart" xmlns:a="http://schemas.openxmlformats.org/drawingml/2006/main" xmlns:dgm="http://schemas.openxmlformats.org/drawingml/2006/diagram" xmlns:dsp="http://schemas.microsoft.com/office/drawing/2008/diagram" xmlns:p="http://schemas.openxmlformats.org/presentationml/2006/main">
   <p:cSld>
     <p:spTree>
       <p:nvGrpSpPr>
@@ -11315,7 +11371,7 @@
             <a:spLocks noGrp="1"/>
           </p:cNvSpPr>
           <p:nvPr>
-            <p:ph type="title"/>
+            <p:ph type="title" idx="0"/>
           </p:nvPr>
         </p:nvSpPr>
         <p:spPr>
@@ -11335,6 +11391,7 @@
               <a:rPr lang="ko-KR" altLang="en-US"/>
               <a:t>시연 영상</a:t>
             </a:r>
+            <a:endParaRPr lang="ko-KR" altLang="en-US"/>
           </a:p>
         </p:txBody>
       </p:sp>
@@ -11405,25 +11462,12 @@
               <a:defRPr/>
             </a:pPr>
             <a:r>
-              <a:rPr lang="ko-KR" altLang="en-US" dirty="0"/>
-              <a:t>영상 하이퍼링크</a:t>
-            </a:r>
-            <a:r>
-              <a:rPr lang="en-US" altLang="ko-KR" dirty="0"/>
-              <a:t>(</a:t>
-            </a:r>
-            <a:r>
-              <a:rPr lang="en-US" altLang="ko-KR" dirty="0" err="1"/>
-              <a:t>ppt</a:t>
-            </a:r>
-            <a:r>
-              <a:rPr lang="ko-KR" altLang="en-US" dirty="0"/>
-              <a:t> 자료랑 같은 경로에 넣을 것</a:t>
-            </a:r>
-            <a:r>
-              <a:rPr lang="en-US" altLang="ko-KR" dirty="0"/>
-              <a:t>)</a:t>
-            </a:r>
+              <a:rPr lang="ko-KR" altLang="en-US">
+                <a:hlinkClick r:id="rId2" action="ppaction://hlinkfile"/>
+              </a:rPr>
+              <a:t>영상 보기</a:t>
+            </a:r>
+            <a:endParaRPr lang="ko-KR" altLang="en-US"/>
           </a:p>
         </p:txBody>
       </p:sp>
@@ -11433,7 +11477,7 @@
     <a:masterClrMapping/>
   </p:clrMapOvr>
   <mc:AlternateContent xmlns:mc="http://schemas.openxmlformats.org/markup-compatibility/2006">
-    <mc:Choice xmlns:p14="http://schemas.microsoft.com/office/powerpoint/2010/main" xmlns:dsp="http://schemas.microsoft.com/office/drawing/2008/diagram" xmlns:dgm="http://schemas.openxmlformats.org/drawingml/2006/diagram" xmlns:c="http://schemas.openxmlformats.org/drawingml/2006/chart" xmlns="" Requires="p14">
+    <mc:Choice xmlns:p14="http://schemas.microsoft.com/office/powerpoint/2010/main" Requires="p14">
       <p:transition xmlns:mc="http://schemas.openxmlformats.org/markup-compatibility/2006" xmlns:p14="http://schemas.microsoft.com/office/powerpoint/2010/main" mc:Ignorable="p14" p14:dur="500"/>
     </mc:Choice>
     <mc:Fallback>
@@ -11450,45 +11494,109 @@
 </p:sld>
 </file>
 
+<file path=ppt/slides/slide7.xml><?xml version="1.0" encoding="utf-8"?>
+<p:sld xmlns:r="http://schemas.openxmlformats.org/officeDocument/2006/relationships" xmlns:c="http://schemas.openxmlformats.org/drawingml/2006/chart" xmlns:a="http://schemas.openxmlformats.org/drawingml/2006/main" xmlns:dgm="http://schemas.openxmlformats.org/drawingml/2006/diagram" xmlns:dsp="http://schemas.microsoft.com/office/drawing/2008/diagram" xmlns:p="http://schemas.openxmlformats.org/presentationml/2006/main">
+  <p:cSld>
+    <p:spTree>
+      <p:nvGrpSpPr>
+        <p:cNvPr id="1" name=""/>
+        <p:cNvGrpSpPr/>
+        <p:nvPr/>
+      </p:nvGrpSpPr>
+      <p:grpSpPr>
+        <a:xfrm>
+          <a:off x="0" y="0"/>
+          <a:ext cx="0" cy="0"/>
+          <a:chOff x="0" y="0"/>
+          <a:chExt cx="0" cy="0"/>
+        </a:xfrm>
+      </p:grpSpPr>
+      <p:sp>
+        <p:nvSpPr>
+          <p:cNvPr id="2" name="Title 1"/>
+          <p:cNvSpPr>
+            <a:spLocks noGrp="1"/>
+          </p:cNvSpPr>
+          <p:nvPr>
+            <p:ph type="title" idx="0"/>
+          </p:nvPr>
+        </p:nvSpPr>
+        <p:spPr>
+          <a:xfrm>
+            <a:off x="1066799" y="2239709"/>
+            <a:ext cx="10058400" cy="1450757"/>
+          </a:xfrm>
+        </p:spPr>
+        <p:txBody>
+          <a:bodyPr/>
+          <a:lstStyle/>
+          <a:p>
+            <a:pPr algn="ctr">
+              <a:defRPr/>
+            </a:pPr>
+            <a:r>
+              <a:rPr lang="ko-KR" altLang="en-US"/>
+              <a:t>감사합니다</a:t>
+            </a:r>
+            <a:endParaRPr lang="ko-KR" altLang="en-US"/>
+          </a:p>
+        </p:txBody>
+      </p:sp>
+    </p:spTree>
+  </p:cSld>
+  <p:clrMapOvr>
+    <a:masterClrMapping/>
+  </p:clrMapOvr>
+  <mc:AlternateContent xmlns:mc="http://schemas.openxmlformats.org/markup-compatibility/2006">
+    <mc:Choice xmlns:p14="http://schemas.microsoft.com/office/powerpoint/2010/main" Requires="p14">
+      <p:transition xmlns:mc="http://schemas.openxmlformats.org/markup-compatibility/2006" xmlns:p14="http://schemas.microsoft.com/office/powerpoint/2010/main" mc:Ignorable="p14" p14:dur="500"/>
+    </mc:Choice>
+    <mc:Fallback>
+      <p:transition/>
+    </mc:Fallback>
+  </mc:AlternateContent>
+</p:sld>
+</file>
+
 <file path=ppt/theme/theme1.xml><?xml version="1.0" encoding="utf-8"?>
-<a:theme xmlns:a="http://schemas.openxmlformats.org/drawingml/2006/main" name="추억">
+<a:theme xmlns:r="http://schemas.openxmlformats.org/officeDocument/2006/relationships" xmlns:c="http://schemas.openxmlformats.org/drawingml/2006/chart" xmlns:dgm="http://schemas.openxmlformats.org/drawingml/2006/diagram" xmlns:dsp="http://schemas.microsoft.com/office/drawing/2008/diagram" xmlns:a="http://schemas.openxmlformats.org/drawingml/2006/main" xmlns:pic="http://schemas.openxmlformats.org/drawingml/2006/picture" xmlns:wp="http://schemas.openxmlformats.org/drawingml/2006/wordprocessingDrawing" xmlns:xdr="http://schemas.openxmlformats.org/drawingml/2006/spreadsheetDrawing" xmlns:p="http://schemas.openxmlformats.org/presentationml/2006/main" name="추억">
   <a:themeElements>
     <a:clrScheme name="추억">
       <a:dk1>
         <a:srgbClr val="000000"/>
       </a:dk1>
       <a:lt1>
-        <a:sysClr val="window" lastClr="FFFFFF"/>
+        <a:sysClr val="window" lastClr="ffffff"/>
       </a:lt1>
       <a:dk2>
         <a:srgbClr val="637052"/>
       </a:dk2>
       <a:lt2>
-        <a:srgbClr val="CCDDEA"/>
+        <a:srgbClr val="ccddea"/>
       </a:lt2>
       <a:accent1>
-        <a:srgbClr val="E48312"/>
+        <a:srgbClr val="e48312"/>
       </a:accent1>
       <a:accent2>
-        <a:srgbClr val="BD582C"/>
+        <a:srgbClr val="bd582c"/>
       </a:accent2>
       <a:accent3>
         <a:srgbClr val="865640"/>
       </a:accent3>
       <a:accent4>
-        <a:srgbClr val="9B8357"/>
+        <a:srgbClr val="9b8357"/>
       </a:accent4>
       <a:accent5>
-        <a:srgbClr val="C2BC80"/>
+        <a:srgbClr val="c2bc80"/>
       </a:accent5>
       <a:accent6>
-        <a:srgbClr val="94A088"/>
+        <a:srgbClr val="94a088"/>
       </a:accent6>
       <a:hlink>
-        <a:srgbClr val="2998E3"/>
+        <a:srgbClr val="2998e3"/>
       </a:hlink>
       <a:folHlink>
-        <a:srgbClr val="8C8C8C"/>
+        <a:srgbClr val="8c8c8c"/>
       </a:folHlink>
     </a:clrScheme>
     <a:fontScheme name="추억">
@@ -11723,7 +11831,5 @@
       </a:bgFillStyleLst>
     </a:fmtScheme>
   </a:themeElements>
-  <a:objectDefaults/>
-  <a:extraClrSchemeLst/>
 </a:theme>
 </file>